--- a/耶和華行了大事(崇拜版).pptx
+++ b/耶和華行了大事(崇拜版).pptx
@@ -11,7 +11,7 @@
     <p:sldId id="259" r:id="rId5"/>
     <p:sldId id="260" r:id="rId6"/>
   </p:sldIdLst>
-  <p:sldSz cx="9144000" cy="6858000" type="screen4x3"/>
+  <p:sldSz cx="12192000" cy="6858000"/>
   <p:notesSz cx="6858000" cy="9144000"/>
   <p:defaultTextStyle>
     <a:defPPr>
@@ -108,6 +108,22 @@
       </a:defRPr>
     </a:lvl9pPr>
   </p:defaultTextStyle>
+  <p:extLst>
+    <p:ext uri="{EFAFB233-063F-42B5-8137-9DF3F51BA10A}">
+      <p15:sldGuideLst xmlns:p15="http://schemas.microsoft.com/office/powerpoint/2012/main">
+        <p15:guide id="1" orient="horz" pos="2160" userDrawn="1">
+          <p15:clr>
+            <a:srgbClr val="A4A3A4"/>
+          </p15:clr>
+        </p15:guide>
+        <p15:guide id="2" pos="3840" userDrawn="1">
+          <p15:clr>
+            <a:srgbClr val="A4A3A4"/>
+          </p15:clr>
+        </p15:guide>
+      </p15:sldGuideLst>
+    </p:ext>
+  </p:extLst>
 </p:presentation>
 </file>
 
@@ -140,8 +156,8 @@
         </p:nvSpPr>
         <p:spPr>
           <a:xfrm>
-            <a:off x="685800" y="2130425"/>
-            <a:ext cx="7772400" cy="1470025"/>
+            <a:off x="914400" y="2130426"/>
+            <a:ext cx="10363200" cy="1470025"/>
           </a:xfrm>
         </p:spPr>
         <p:txBody>
@@ -168,8 +184,8 @@
         </p:nvSpPr>
         <p:spPr>
           <a:xfrm>
-            <a:off x="1371600" y="3886200"/>
-            <a:ext cx="6400800" cy="1752600"/>
+            <a:off x="1828800" y="3886200"/>
+            <a:ext cx="8534400" cy="1752600"/>
           </a:xfrm>
         </p:spPr>
         <p:txBody>
@@ -292,7 +308,7 @@
           <a:p>
             <a:fld id="{E78D9EF6-0FD0-4D2A-8E16-51EA57A3A903}" type="datetimeFigureOut">
               <a:rPr lang="zh-TW" altLang="en-US" smtClean="0"/>
-              <a:t>2017/11/4</a:t>
+              <a:t>2019/12/14</a:t>
             </a:fld>
             <a:endParaRPr lang="zh-TW" altLang="en-US"/>
           </a:p>
@@ -457,7 +473,7 @@
           <a:p>
             <a:fld id="{E78D9EF6-0FD0-4D2A-8E16-51EA57A3A903}" type="datetimeFigureOut">
               <a:rPr lang="zh-TW" altLang="en-US" smtClean="0"/>
-              <a:t>2017/11/4</a:t>
+              <a:t>2019/12/14</a:t>
             </a:fld>
             <a:endParaRPr lang="zh-TW" altLang="en-US"/>
           </a:p>
@@ -542,8 +558,8 @@
         </p:nvSpPr>
         <p:spPr>
           <a:xfrm>
-            <a:off x="6629400" y="274638"/>
-            <a:ext cx="2057400" cy="5851525"/>
+            <a:off x="8839200" y="274639"/>
+            <a:ext cx="2743200" cy="5851525"/>
           </a:xfrm>
         </p:spPr>
         <p:txBody>
@@ -570,8 +586,8 @@
         </p:nvSpPr>
         <p:spPr>
           <a:xfrm>
-            <a:off x="457200" y="274638"/>
-            <a:ext cx="6019800" cy="5851525"/>
+            <a:off x="609600" y="274639"/>
+            <a:ext cx="8026400" cy="5851525"/>
           </a:xfrm>
         </p:spPr>
         <p:txBody>
@@ -632,7 +648,7 @@
           <a:p>
             <a:fld id="{E78D9EF6-0FD0-4D2A-8E16-51EA57A3A903}" type="datetimeFigureOut">
               <a:rPr lang="zh-TW" altLang="en-US" smtClean="0"/>
-              <a:t>2017/11/4</a:t>
+              <a:t>2019/12/14</a:t>
             </a:fld>
             <a:endParaRPr lang="zh-TW" altLang="en-US"/>
           </a:p>
@@ -797,7 +813,7 @@
           <a:p>
             <a:fld id="{E78D9EF6-0FD0-4D2A-8E16-51EA57A3A903}" type="datetimeFigureOut">
               <a:rPr lang="zh-TW" altLang="en-US" smtClean="0"/>
-              <a:t>2017/11/4</a:t>
+              <a:t>2019/12/14</a:t>
             </a:fld>
             <a:endParaRPr lang="zh-TW" altLang="en-US"/>
           </a:p>
@@ -882,8 +898,8 @@
         </p:nvSpPr>
         <p:spPr>
           <a:xfrm>
-            <a:off x="722313" y="4406900"/>
-            <a:ext cx="7772400" cy="1362075"/>
+            <a:off x="963084" y="4406901"/>
+            <a:ext cx="10363200" cy="1362075"/>
           </a:xfrm>
         </p:spPr>
         <p:txBody>
@@ -914,8 +930,8 @@
         </p:nvSpPr>
         <p:spPr>
           <a:xfrm>
-            <a:off x="722313" y="2906713"/>
-            <a:ext cx="7772400" cy="1500187"/>
+            <a:off x="963084" y="2906713"/>
+            <a:ext cx="10363200" cy="1500187"/>
           </a:xfrm>
         </p:spPr>
         <p:txBody>
@@ -1038,7 +1054,7 @@
           <a:p>
             <a:fld id="{E78D9EF6-0FD0-4D2A-8E16-51EA57A3A903}" type="datetimeFigureOut">
               <a:rPr lang="zh-TW" altLang="en-US" smtClean="0"/>
-              <a:t>2017/11/4</a:t>
+              <a:t>2019/12/14</a:t>
             </a:fld>
             <a:endParaRPr lang="zh-TW" altLang="en-US"/>
           </a:p>
@@ -1146,8 +1162,8 @@
         </p:nvSpPr>
         <p:spPr>
           <a:xfrm>
-            <a:off x="457200" y="1600200"/>
-            <a:ext cx="4038600" cy="4525963"/>
+            <a:off x="609600" y="1600201"/>
+            <a:ext cx="5384800" cy="4525963"/>
           </a:xfrm>
         </p:spPr>
         <p:txBody>
@@ -1231,8 +1247,8 @@
         </p:nvSpPr>
         <p:spPr>
           <a:xfrm>
-            <a:off x="4648200" y="1600200"/>
-            <a:ext cx="4038600" cy="4525963"/>
+            <a:off x="6197600" y="1600201"/>
+            <a:ext cx="5384800" cy="4525963"/>
           </a:xfrm>
         </p:spPr>
         <p:txBody>
@@ -1321,7 +1337,7 @@
           <a:p>
             <a:fld id="{E78D9EF6-0FD0-4D2A-8E16-51EA57A3A903}" type="datetimeFigureOut">
               <a:rPr lang="zh-TW" altLang="en-US" smtClean="0"/>
-              <a:t>2017/11/4</a:t>
+              <a:t>2019/12/14</a:t>
             </a:fld>
             <a:endParaRPr lang="zh-TW" altLang="en-US"/>
           </a:p>
@@ -1433,8 +1449,8 @@
         </p:nvSpPr>
         <p:spPr>
           <a:xfrm>
-            <a:off x="457200" y="1535113"/>
-            <a:ext cx="4040188" cy="639762"/>
+            <a:off x="609600" y="1535113"/>
+            <a:ext cx="5386917" cy="639762"/>
           </a:xfrm>
         </p:spPr>
         <p:txBody>
@@ -1498,8 +1514,8 @@
         </p:nvSpPr>
         <p:spPr>
           <a:xfrm>
-            <a:off x="457200" y="2174875"/>
-            <a:ext cx="4040188" cy="3951288"/>
+            <a:off x="609600" y="2174875"/>
+            <a:ext cx="5386917" cy="3951288"/>
           </a:xfrm>
         </p:spPr>
         <p:txBody>
@@ -1583,8 +1599,8 @@
         </p:nvSpPr>
         <p:spPr>
           <a:xfrm>
-            <a:off x="4645025" y="1535113"/>
-            <a:ext cx="4041775" cy="639762"/>
+            <a:off x="6193368" y="1535113"/>
+            <a:ext cx="5389033" cy="639762"/>
           </a:xfrm>
         </p:spPr>
         <p:txBody>
@@ -1648,8 +1664,8 @@
         </p:nvSpPr>
         <p:spPr>
           <a:xfrm>
-            <a:off x="4645025" y="2174875"/>
-            <a:ext cx="4041775" cy="3951288"/>
+            <a:off x="6193368" y="2174875"/>
+            <a:ext cx="5389033" cy="3951288"/>
           </a:xfrm>
         </p:spPr>
         <p:txBody>
@@ -1738,7 +1754,7 @@
           <a:p>
             <a:fld id="{E78D9EF6-0FD0-4D2A-8E16-51EA57A3A903}" type="datetimeFigureOut">
               <a:rPr lang="zh-TW" altLang="en-US" smtClean="0"/>
-              <a:t>2017/11/4</a:t>
+              <a:t>2019/12/14</a:t>
             </a:fld>
             <a:endParaRPr lang="zh-TW" altLang="en-US"/>
           </a:p>
@@ -1851,7 +1867,7 @@
           <a:p>
             <a:fld id="{E78D9EF6-0FD0-4D2A-8E16-51EA57A3A903}" type="datetimeFigureOut">
               <a:rPr lang="zh-TW" altLang="en-US" smtClean="0"/>
-              <a:t>2017/11/4</a:t>
+              <a:t>2019/12/14</a:t>
             </a:fld>
             <a:endParaRPr lang="zh-TW" altLang="en-US"/>
           </a:p>
@@ -1941,7 +1957,7 @@
           <a:p>
             <a:fld id="{E78D9EF6-0FD0-4D2A-8E16-51EA57A3A903}" type="datetimeFigureOut">
               <a:rPr lang="zh-TW" altLang="en-US" smtClean="0"/>
-              <a:t>2017/11/4</a:t>
+              <a:t>2019/12/14</a:t>
             </a:fld>
             <a:endParaRPr lang="zh-TW" altLang="en-US"/>
           </a:p>
@@ -2026,8 +2042,8 @@
         </p:nvSpPr>
         <p:spPr>
           <a:xfrm>
-            <a:off x="457200" y="273050"/>
-            <a:ext cx="3008313" cy="1162050"/>
+            <a:off x="609601" y="273050"/>
+            <a:ext cx="4011084" cy="1162050"/>
           </a:xfrm>
         </p:spPr>
         <p:txBody>
@@ -2058,8 +2074,8 @@
         </p:nvSpPr>
         <p:spPr>
           <a:xfrm>
-            <a:off x="3575050" y="273050"/>
-            <a:ext cx="5111750" cy="5853113"/>
+            <a:off x="4766733" y="273051"/>
+            <a:ext cx="6815667" cy="5853113"/>
           </a:xfrm>
         </p:spPr>
         <p:txBody>
@@ -2143,8 +2159,8 @@
         </p:nvSpPr>
         <p:spPr>
           <a:xfrm>
-            <a:off x="457200" y="1435100"/>
-            <a:ext cx="3008313" cy="4691063"/>
+            <a:off x="609601" y="1435101"/>
+            <a:ext cx="4011084" cy="4691063"/>
           </a:xfrm>
         </p:spPr>
         <p:txBody>
@@ -2213,7 +2229,7 @@
           <a:p>
             <a:fld id="{E78D9EF6-0FD0-4D2A-8E16-51EA57A3A903}" type="datetimeFigureOut">
               <a:rPr lang="zh-TW" altLang="en-US" smtClean="0"/>
-              <a:t>2017/11/4</a:t>
+              <a:t>2019/12/14</a:t>
             </a:fld>
             <a:endParaRPr lang="zh-TW" altLang="en-US"/>
           </a:p>
@@ -2298,8 +2314,8 @@
         </p:nvSpPr>
         <p:spPr>
           <a:xfrm>
-            <a:off x="1792288" y="4800600"/>
-            <a:ext cx="5486400" cy="566738"/>
+            <a:off x="2389717" y="4800600"/>
+            <a:ext cx="7315200" cy="566738"/>
           </a:xfrm>
         </p:spPr>
         <p:txBody>
@@ -2330,8 +2346,8 @@
         </p:nvSpPr>
         <p:spPr>
           <a:xfrm>
-            <a:off x="1792288" y="612775"/>
-            <a:ext cx="5486400" cy="4114800"/>
+            <a:off x="2389717" y="612775"/>
+            <a:ext cx="7315200" cy="4114800"/>
           </a:xfrm>
         </p:spPr>
         <p:txBody>
@@ -2395,8 +2411,8 @@
         </p:nvSpPr>
         <p:spPr>
           <a:xfrm>
-            <a:off x="1792288" y="5367338"/>
-            <a:ext cx="5486400" cy="804862"/>
+            <a:off x="2389717" y="5367338"/>
+            <a:ext cx="7315200" cy="804862"/>
           </a:xfrm>
         </p:spPr>
         <p:txBody>
@@ -2465,7 +2481,7 @@
           <a:p>
             <a:fld id="{E78D9EF6-0FD0-4D2A-8E16-51EA57A3A903}" type="datetimeFigureOut">
               <a:rPr lang="zh-TW" altLang="en-US" smtClean="0"/>
-              <a:t>2017/11/4</a:t>
+              <a:t>2019/12/14</a:t>
             </a:fld>
             <a:endParaRPr lang="zh-TW" altLang="en-US"/>
           </a:p>
@@ -2560,8 +2576,8 @@
         </p:nvSpPr>
         <p:spPr>
           <a:xfrm>
-            <a:off x="457200" y="274638"/>
-            <a:ext cx="8229600" cy="1143000"/>
+            <a:off x="609600" y="274638"/>
+            <a:ext cx="10972800" cy="1143000"/>
           </a:xfrm>
           <a:prstGeom prst="rect">
             <a:avLst/>
@@ -2593,8 +2609,8 @@
         </p:nvSpPr>
         <p:spPr>
           <a:xfrm>
-            <a:off x="457200" y="1600200"/>
-            <a:ext cx="8229600" cy="4525963"/>
+            <a:off x="609600" y="1600201"/>
+            <a:ext cx="10972800" cy="4525963"/>
           </a:xfrm>
           <a:prstGeom prst="rect">
             <a:avLst/>
@@ -2655,8 +2671,8 @@
         </p:nvSpPr>
         <p:spPr>
           <a:xfrm>
-            <a:off x="457200" y="6356350"/>
-            <a:ext cx="2133600" cy="365125"/>
+            <a:off x="609600" y="6356351"/>
+            <a:ext cx="2844800" cy="365125"/>
           </a:xfrm>
           <a:prstGeom prst="rect">
             <a:avLst/>
@@ -2678,7 +2694,7 @@
           <a:p>
             <a:fld id="{E78D9EF6-0FD0-4D2A-8E16-51EA57A3A903}" type="datetimeFigureOut">
               <a:rPr lang="zh-TW" altLang="en-US" smtClean="0"/>
-              <a:t>2017/11/4</a:t>
+              <a:t>2019/12/14</a:t>
             </a:fld>
             <a:endParaRPr lang="zh-TW" altLang="en-US"/>
           </a:p>
@@ -2696,8 +2712,8 @@
         </p:nvSpPr>
         <p:spPr>
           <a:xfrm>
-            <a:off x="3124200" y="6356350"/>
-            <a:ext cx="2895600" cy="365125"/>
+            <a:off x="4165600" y="6356351"/>
+            <a:ext cx="3860800" cy="365125"/>
           </a:xfrm>
           <a:prstGeom prst="rect">
             <a:avLst/>
@@ -2733,8 +2749,8 @@
         </p:nvSpPr>
         <p:spPr>
           <a:xfrm>
-            <a:off x="6553200" y="6356350"/>
-            <a:ext cx="2133600" cy="365125"/>
+            <a:off x="8737600" y="6356351"/>
+            <a:ext cx="2844800" cy="365125"/>
           </a:xfrm>
           <a:prstGeom prst="rect">
             <a:avLst/>
@@ -3095,7 +3111,7 @@
         </p:nvSpPr>
         <p:spPr>
           <a:xfrm>
-            <a:off x="0" y="1600200"/>
+            <a:off x="1524000" y="1600200"/>
             <a:ext cx="9144000" cy="5257800"/>
           </a:xfrm>
         </p:spPr>
@@ -3109,26 +3125,16 @@
               <a:buNone/>
             </a:pPr>
             <a:r>
-              <a:rPr lang="zh-TW" altLang="en-US" sz="5400" b="1" dirty="0" smtClean="0">
+              <a:rPr lang="zh-TW" altLang="en-US" sz="5400" b="1" dirty="0">
                 <a:solidFill>
                   <a:srgbClr val="000066"/>
                 </a:solidFill>
                 <a:latin typeface="微軟正黑體" pitchFamily="34" charset="-120"/>
                 <a:ea typeface="微軟正黑體" pitchFamily="34" charset="-120"/>
               </a:rPr>
-              <a:t>耶和華已經為我們行了</a:t>
-            </a:r>
-            <a:r>
-              <a:rPr lang="zh-TW" altLang="en-US" sz="5400" b="1" dirty="0" smtClean="0">
-                <a:solidFill>
-                  <a:srgbClr val="000066"/>
-                </a:solidFill>
-                <a:latin typeface="微軟正黑體" pitchFamily="34" charset="-120"/>
-                <a:ea typeface="微軟正黑體" pitchFamily="34" charset="-120"/>
-              </a:rPr>
-              <a:t>大事</a:t>
-            </a:r>
-            <a:endParaRPr lang="en-US" altLang="zh-TW" sz="5400" b="1" dirty="0" smtClean="0">
+              <a:t>耶和華已經為我們行了大事</a:t>
+            </a:r>
+            <a:endParaRPr lang="en-US" altLang="zh-TW" sz="5400" b="1" dirty="0">
               <a:solidFill>
                 <a:srgbClr val="000066"/>
               </a:solidFill>
@@ -3141,36 +3147,16 @@
               <a:buNone/>
             </a:pPr>
             <a:r>
-              <a:rPr lang="zh-TW" altLang="en-US" sz="5400" b="1" dirty="0" smtClean="0">
+              <a:rPr lang="zh-TW" altLang="en-US" sz="5400" b="1" dirty="0">
                 <a:solidFill>
                   <a:srgbClr val="000066"/>
                 </a:solidFill>
                 <a:latin typeface="微軟正黑體" pitchFamily="34" charset="-120"/>
                 <a:ea typeface="微軟正黑體" pitchFamily="34" charset="-120"/>
               </a:rPr>
-              <a:t>祂</a:t>
-            </a:r>
-            <a:r>
-              <a:rPr lang="zh-TW" altLang="en-US" sz="5400" b="1" dirty="0" smtClean="0">
-                <a:solidFill>
-                  <a:srgbClr val="000066"/>
-                </a:solidFill>
-                <a:latin typeface="微軟正黑體" pitchFamily="34" charset="-120"/>
-                <a:ea typeface="微軟正黑體" pitchFamily="34" charset="-120"/>
-              </a:rPr>
-              <a:t>鋪張雲彩當</a:t>
-            </a:r>
-            <a:r>
-              <a:rPr lang="zh-TW" altLang="en-US" sz="5400" b="1" dirty="0" smtClean="0">
-                <a:solidFill>
-                  <a:srgbClr val="000066"/>
-                </a:solidFill>
-                <a:latin typeface="微軟正黑體" pitchFamily="34" charset="-120"/>
-                <a:ea typeface="微軟正黑體" pitchFamily="34" charset="-120"/>
-              </a:rPr>
-              <a:t>遮蓋</a:t>
-            </a:r>
-            <a:endParaRPr lang="en-US" altLang="zh-TW" sz="5400" b="1" dirty="0" smtClean="0">
+              <a:t>祂鋪張雲彩當遮蓋</a:t>
+            </a:r>
+            <a:endParaRPr lang="en-US" altLang="zh-TW" sz="5400" b="1" dirty="0">
               <a:solidFill>
                 <a:srgbClr val="000066"/>
               </a:solidFill>
@@ -3183,36 +3169,16 @@
               <a:buNone/>
             </a:pPr>
             <a:r>
-              <a:rPr lang="zh-TW" altLang="en-US" sz="5400" b="1" dirty="0" smtClean="0">
+              <a:rPr lang="zh-TW" altLang="en-US" sz="5400" b="1" dirty="0">
                 <a:solidFill>
                   <a:srgbClr val="000066"/>
                 </a:solidFill>
                 <a:latin typeface="微軟正黑體" pitchFamily="34" charset="-120"/>
                 <a:ea typeface="微軟正黑體" pitchFamily="34" charset="-120"/>
               </a:rPr>
-              <a:t>夜間</a:t>
-            </a:r>
-            <a:r>
-              <a:rPr lang="zh-TW" altLang="en-US" sz="5400" b="1" dirty="0" smtClean="0">
-                <a:solidFill>
-                  <a:srgbClr val="000066"/>
-                </a:solidFill>
-                <a:latin typeface="微軟正黑體" pitchFamily="34" charset="-120"/>
-                <a:ea typeface="微軟正黑體" pitchFamily="34" charset="-120"/>
-              </a:rPr>
-              <a:t>使火</a:t>
-            </a:r>
-            <a:r>
-              <a:rPr lang="zh-TW" altLang="en-US" sz="5400" b="1" dirty="0" smtClean="0">
-                <a:solidFill>
-                  <a:srgbClr val="000066"/>
-                </a:solidFill>
-                <a:latin typeface="微軟正黑體" pitchFamily="34" charset="-120"/>
-                <a:ea typeface="微軟正黑體" pitchFamily="34" charset="-120"/>
-              </a:rPr>
-              <a:t>光照</a:t>
-            </a:r>
-            <a:endParaRPr lang="en-US" altLang="zh-TW" sz="5400" b="1" dirty="0" smtClean="0">
+              <a:t>夜間使火光照</a:t>
+            </a:r>
+            <a:endParaRPr lang="en-US" altLang="zh-TW" sz="5400" b="1" dirty="0">
               <a:solidFill>
                 <a:srgbClr val="000066"/>
               </a:solidFill>
@@ -3225,7 +3191,7 @@
               <a:buNone/>
             </a:pPr>
             <a:r>
-              <a:rPr lang="zh-TW" altLang="en-US" sz="5400" b="1" dirty="0" smtClean="0">
+              <a:rPr lang="zh-TW" altLang="en-US" sz="5400" b="1" dirty="0">
                 <a:solidFill>
                   <a:srgbClr val="000066"/>
                 </a:solidFill>
@@ -3234,7 +3200,7 @@
               </a:rPr>
               <a:t>耶和華已經為我們行了大事</a:t>
             </a:r>
-            <a:endParaRPr lang="en-US" altLang="zh-TW" sz="5400" b="1" dirty="0" smtClean="0">
+            <a:endParaRPr lang="en-US" altLang="zh-TW" sz="5400" b="1" dirty="0">
               <a:solidFill>
                 <a:srgbClr val="000066"/>
               </a:solidFill>
@@ -3247,7 +3213,7 @@
               <a:buNone/>
             </a:pPr>
             <a:r>
-              <a:rPr lang="zh-TW" altLang="en-US" sz="5400" b="1" dirty="0" smtClean="0">
+              <a:rPr lang="zh-TW" altLang="en-US" sz="5400" b="1" dirty="0">
                 <a:solidFill>
                   <a:srgbClr val="000066"/>
                 </a:solidFill>
@@ -3331,7 +3297,7 @@
         </p:nvSpPr>
         <p:spPr>
           <a:xfrm>
-            <a:off x="0" y="1600200"/>
+            <a:off x="1524000" y="1600200"/>
             <a:ext cx="9144000" cy="5257800"/>
           </a:xfrm>
         </p:spPr>
@@ -3345,7 +3311,7 @@
               <a:buNone/>
             </a:pPr>
             <a:r>
-              <a:rPr lang="zh-TW" altLang="en-US" sz="5400" b="1" dirty="0" smtClean="0">
+              <a:rPr lang="zh-TW" altLang="en-US" sz="5400" b="1" dirty="0">
                 <a:solidFill>
                   <a:srgbClr val="000066"/>
                 </a:solidFill>
@@ -3354,7 +3320,7 @@
               </a:rPr>
               <a:t>我們要歡呼  述說祂的作為</a:t>
             </a:r>
-            <a:endParaRPr lang="en-US" altLang="zh-TW" sz="5400" b="1" dirty="0" smtClean="0">
+            <a:endParaRPr lang="en-US" altLang="zh-TW" sz="5400" b="1" dirty="0">
               <a:solidFill>
                 <a:srgbClr val="000066"/>
               </a:solidFill>
@@ -3367,7 +3333,7 @@
               <a:buNone/>
             </a:pPr>
             <a:r>
-              <a:rPr lang="zh-TW" altLang="en-US" sz="5400" b="1" dirty="0" smtClean="0">
+              <a:rPr lang="zh-TW" altLang="en-US" sz="5400" b="1" dirty="0">
                 <a:solidFill>
                   <a:srgbClr val="000066"/>
                 </a:solidFill>
@@ -3376,7 +3342,7 @@
               </a:rPr>
               <a:t>我們依靠神  就能施展大能</a:t>
             </a:r>
-            <a:endParaRPr lang="en-US" altLang="zh-TW" sz="5400" b="1" dirty="0" smtClean="0">
+            <a:endParaRPr lang="en-US" altLang="zh-TW" sz="5400" b="1" dirty="0">
               <a:solidFill>
                 <a:srgbClr val="000066"/>
               </a:solidFill>
@@ -3389,7 +3355,7 @@
               <a:buNone/>
             </a:pPr>
             <a:r>
-              <a:rPr lang="zh-TW" altLang="en-US" sz="5400" b="1" dirty="0" smtClean="0">
+              <a:rPr lang="zh-TW" altLang="en-US" sz="5400" b="1" dirty="0">
                 <a:solidFill>
                   <a:srgbClr val="000066"/>
                 </a:solidFill>
@@ -3398,7 +3364,7 @@
               </a:rPr>
               <a:t>我們要歌頌  要歡呼</a:t>
             </a:r>
-            <a:endParaRPr lang="en-US" altLang="zh-TW" sz="5400" b="1" dirty="0" smtClean="0">
+            <a:endParaRPr lang="en-US" altLang="zh-TW" sz="5400" b="1" dirty="0">
               <a:solidFill>
                 <a:srgbClr val="000066"/>
               </a:solidFill>
@@ -3411,7 +3377,7 @@
               <a:buNone/>
             </a:pPr>
             <a:r>
-              <a:rPr lang="zh-TW" altLang="en-US" sz="5400" b="1" dirty="0" smtClean="0">
+              <a:rPr lang="zh-TW" altLang="en-US" sz="5400" b="1" dirty="0">
                 <a:solidFill>
                   <a:srgbClr val="000066"/>
                 </a:solidFill>
@@ -3420,7 +3386,7 @@
               </a:rPr>
               <a:t>述說祂的作為</a:t>
             </a:r>
-            <a:endParaRPr lang="en-US" altLang="zh-TW" sz="5400" b="1" dirty="0" smtClean="0">
+            <a:endParaRPr lang="en-US" altLang="zh-TW" sz="5400" b="1" dirty="0">
               <a:solidFill>
                 <a:srgbClr val="000066"/>
               </a:solidFill>
@@ -3433,7 +3399,7 @@
               <a:buNone/>
             </a:pPr>
             <a:r>
-              <a:rPr lang="zh-TW" altLang="en-US" sz="5400" b="1" dirty="0" smtClean="0">
+              <a:rPr lang="zh-TW" altLang="en-US" sz="5400" b="1" dirty="0">
                 <a:solidFill>
                   <a:srgbClr val="000066"/>
                 </a:solidFill>
@@ -3517,7 +3483,7 @@
         </p:nvSpPr>
         <p:spPr>
           <a:xfrm>
-            <a:off x="0" y="1600200"/>
+            <a:off x="1524000" y="1600200"/>
             <a:ext cx="9144000" cy="5257800"/>
           </a:xfrm>
         </p:spPr>
@@ -3531,7 +3497,7 @@
               <a:buNone/>
             </a:pPr>
             <a:r>
-              <a:rPr lang="zh-TW" altLang="en-US" sz="5400" b="1" dirty="0" smtClean="0">
+              <a:rPr lang="zh-TW" altLang="en-US" sz="5400" b="1" dirty="0">
                 <a:solidFill>
                   <a:srgbClr val="000066"/>
                 </a:solidFill>
@@ -3540,7 +3506,7 @@
               </a:rPr>
               <a:t>耶和華已經為我們行了大事</a:t>
             </a:r>
-            <a:endParaRPr lang="en-US" altLang="zh-TW" sz="5400" b="1" dirty="0" smtClean="0">
+            <a:endParaRPr lang="en-US" altLang="zh-TW" sz="5400" b="1" dirty="0">
               <a:solidFill>
                 <a:srgbClr val="000066"/>
               </a:solidFill>
@@ -3553,7 +3519,7 @@
               <a:buNone/>
             </a:pPr>
             <a:r>
-              <a:rPr lang="zh-TW" altLang="en-US" sz="5400" b="1" dirty="0" smtClean="0">
+              <a:rPr lang="zh-TW" altLang="en-US" sz="5400" b="1" dirty="0">
                 <a:solidFill>
                   <a:srgbClr val="000066"/>
                 </a:solidFill>
@@ -3562,7 +3528,7 @@
               </a:rPr>
               <a:t>祂命令狂風止息</a:t>
             </a:r>
-            <a:endParaRPr lang="en-US" altLang="zh-TW" sz="5400" b="1" dirty="0" smtClean="0">
+            <a:endParaRPr lang="en-US" altLang="zh-TW" sz="5400" b="1" dirty="0">
               <a:solidFill>
                 <a:srgbClr val="000066"/>
               </a:solidFill>
@@ -3575,7 +3541,7 @@
               <a:buNone/>
             </a:pPr>
             <a:r>
-              <a:rPr lang="zh-TW" altLang="en-US" sz="5400" b="1" dirty="0" smtClean="0">
+              <a:rPr lang="zh-TW" altLang="en-US" sz="5400" b="1" dirty="0">
                 <a:solidFill>
                   <a:srgbClr val="000066"/>
                 </a:solidFill>
@@ -3584,7 +3550,7 @@
               </a:rPr>
               <a:t>那波浪就平靜</a:t>
             </a:r>
-            <a:endParaRPr lang="en-US" altLang="zh-TW" sz="5400" b="1" dirty="0" smtClean="0">
+            <a:endParaRPr lang="en-US" altLang="zh-TW" sz="5400" b="1" dirty="0">
               <a:solidFill>
                 <a:srgbClr val="000066"/>
               </a:solidFill>
@@ -3597,7 +3563,7 @@
               <a:buNone/>
             </a:pPr>
             <a:r>
-              <a:rPr lang="zh-TW" altLang="en-US" sz="5400" b="1" dirty="0" smtClean="0">
+              <a:rPr lang="zh-TW" altLang="en-US" sz="5400" b="1" dirty="0">
                 <a:solidFill>
                   <a:srgbClr val="000066"/>
                 </a:solidFill>
@@ -3606,7 +3572,7 @@
               </a:rPr>
               <a:t>耶和華已經為我們行了大事</a:t>
             </a:r>
-            <a:endParaRPr lang="en-US" altLang="zh-TW" sz="5400" b="1" dirty="0" smtClean="0">
+            <a:endParaRPr lang="en-US" altLang="zh-TW" sz="5400" b="1" dirty="0">
               <a:solidFill>
                 <a:srgbClr val="000066"/>
               </a:solidFill>
@@ -3619,7 +3585,7 @@
               <a:buNone/>
             </a:pPr>
             <a:r>
-              <a:rPr lang="zh-TW" altLang="en-US" sz="5400" b="1" dirty="0" smtClean="0">
+              <a:rPr lang="zh-TW" altLang="en-US" sz="5400" b="1" dirty="0">
                 <a:solidFill>
                   <a:srgbClr val="000066"/>
                 </a:solidFill>
@@ -3703,7 +3669,7 @@
         </p:nvSpPr>
         <p:spPr>
           <a:xfrm>
-            <a:off x="0" y="1600200"/>
+            <a:off x="1524000" y="1600200"/>
             <a:ext cx="9144000" cy="5257800"/>
           </a:xfrm>
         </p:spPr>
@@ -3717,7 +3683,7 @@
               <a:buNone/>
             </a:pPr>
             <a:r>
-              <a:rPr lang="zh-TW" altLang="en-US" sz="5400" b="1" dirty="0" smtClean="0">
+              <a:rPr lang="zh-TW" altLang="en-US" sz="5400" b="1" dirty="0">
                 <a:solidFill>
                   <a:srgbClr val="000066"/>
                 </a:solidFill>
@@ -3726,7 +3692,7 @@
               </a:rPr>
               <a:t>我們要歡呼  述說祂的作為</a:t>
             </a:r>
-            <a:endParaRPr lang="en-US" altLang="zh-TW" sz="5400" b="1" dirty="0" smtClean="0">
+            <a:endParaRPr lang="en-US" altLang="zh-TW" sz="5400" b="1" dirty="0">
               <a:solidFill>
                 <a:srgbClr val="000066"/>
               </a:solidFill>
@@ -3739,7 +3705,7 @@
               <a:buNone/>
             </a:pPr>
             <a:r>
-              <a:rPr lang="zh-TW" altLang="en-US" sz="5400" b="1" dirty="0" smtClean="0">
+              <a:rPr lang="zh-TW" altLang="en-US" sz="5400" b="1" dirty="0">
                 <a:solidFill>
                   <a:srgbClr val="000066"/>
                 </a:solidFill>
@@ -3748,7 +3714,7 @@
               </a:rPr>
               <a:t>我們依靠神  就能施展大能</a:t>
             </a:r>
-            <a:endParaRPr lang="en-US" altLang="zh-TW" sz="5400" b="1" dirty="0" smtClean="0">
+            <a:endParaRPr lang="en-US" altLang="zh-TW" sz="5400" b="1" dirty="0">
               <a:solidFill>
                 <a:srgbClr val="000066"/>
               </a:solidFill>
@@ -3761,7 +3727,7 @@
               <a:buNone/>
             </a:pPr>
             <a:r>
-              <a:rPr lang="zh-TW" altLang="en-US" sz="5400" b="1" dirty="0" smtClean="0">
+              <a:rPr lang="zh-TW" altLang="en-US" sz="5400" b="1" dirty="0">
                 <a:solidFill>
                   <a:srgbClr val="000066"/>
                 </a:solidFill>
@@ -3770,7 +3736,7 @@
               </a:rPr>
               <a:t>我們要歌頌  要歡呼</a:t>
             </a:r>
-            <a:endParaRPr lang="en-US" altLang="zh-TW" sz="5400" b="1" dirty="0" smtClean="0">
+            <a:endParaRPr lang="en-US" altLang="zh-TW" sz="5400" b="1" dirty="0">
               <a:solidFill>
                 <a:srgbClr val="000066"/>
               </a:solidFill>
@@ -3783,7 +3749,7 @@
               <a:buNone/>
             </a:pPr>
             <a:r>
-              <a:rPr lang="zh-TW" altLang="en-US" sz="5400" b="1" dirty="0" smtClean="0">
+              <a:rPr lang="zh-TW" altLang="en-US" sz="5400" b="1" dirty="0">
                 <a:solidFill>
                   <a:srgbClr val="000066"/>
                 </a:solidFill>
@@ -3792,7 +3758,7 @@
               </a:rPr>
               <a:t>述說祂的作為</a:t>
             </a:r>
-            <a:endParaRPr lang="en-US" altLang="zh-TW" sz="5400" b="1" dirty="0" smtClean="0">
+            <a:endParaRPr lang="en-US" altLang="zh-TW" sz="5400" b="1" dirty="0">
               <a:solidFill>
                 <a:srgbClr val="000066"/>
               </a:solidFill>
@@ -3805,7 +3771,7 @@
               <a:buNone/>
             </a:pPr>
             <a:r>
-              <a:rPr lang="zh-TW" altLang="en-US" sz="5400" b="1" dirty="0" smtClean="0">
+              <a:rPr lang="zh-TW" altLang="en-US" sz="5400" b="1" dirty="0">
                 <a:solidFill>
                   <a:srgbClr val="000066"/>
                 </a:solidFill>
@@ -3889,7 +3855,7 @@
         </p:nvSpPr>
         <p:spPr>
           <a:xfrm>
-            <a:off x="0" y="1600200"/>
+            <a:off x="1524000" y="1600200"/>
             <a:ext cx="9144000" cy="5257800"/>
           </a:xfrm>
         </p:spPr>
@@ -3903,7 +3869,7 @@
               <a:buNone/>
             </a:pPr>
             <a:r>
-              <a:rPr lang="zh-TW" altLang="en-US" sz="5400" b="1" dirty="0" smtClean="0">
+              <a:rPr lang="zh-TW" altLang="en-US" sz="5400" b="1" dirty="0">
                 <a:solidFill>
                   <a:srgbClr val="000066"/>
                 </a:solidFill>
@@ -3912,7 +3878,7 @@
               </a:rPr>
               <a:t>祂必帶領選民歡呼向前</a:t>
             </a:r>
-            <a:endParaRPr lang="en-US" altLang="zh-TW" sz="5400" b="1" dirty="0" smtClean="0">
+            <a:endParaRPr lang="en-US" altLang="zh-TW" sz="5400" b="1" dirty="0">
               <a:solidFill>
                 <a:srgbClr val="000066"/>
               </a:solidFill>
@@ -3925,7 +3891,7 @@
               <a:buNone/>
             </a:pPr>
             <a:r>
-              <a:rPr lang="zh-TW" altLang="en-US" sz="5400" b="1" dirty="0" smtClean="0">
+              <a:rPr lang="zh-TW" altLang="en-US" sz="5400" b="1" dirty="0">
                 <a:solidFill>
                   <a:srgbClr val="000066"/>
                 </a:solidFill>
